--- a/Présentation.pptx
+++ b/Présentation.pptx
@@ -14,9 +14,8 @@
     <p:sldId id="261" r:id="rId8"/>
     <p:sldId id="262" r:id="rId9"/>
     <p:sldId id="265" r:id="rId10"/>
-    <p:sldId id="266" r:id="rId11"/>
-    <p:sldId id="263" r:id="rId12"/>
-    <p:sldId id="264" r:id="rId13"/>
+    <p:sldId id="263" r:id="rId11"/>
+    <p:sldId id="264" r:id="rId12"/>
   </p:sldIdLst>
   <p:sldSz cx="12192000" cy="6858000"/>
   <p:notesSz cx="6858000" cy="9144000"/>
@@ -115,6 +114,11 @@
       </a:defRPr>
     </a:lvl9pPr>
   </p:defaultTextStyle>
+  <p:extLst>
+    <p:ext uri="{EFAFB233-063F-42B5-8137-9DF3F51BA10A}">
+      <p15:sldGuideLst xmlns:p15="http://schemas.microsoft.com/office/powerpoint/2012/main"/>
+    </p:ext>
+  </p:extLst>
 </p:presentation>
 </file>
 
@@ -344,7 +348,7 @@
           <a:p>
             <a:fld id="{E52CC339-9364-4518-9F37-F173FBC9C73E}" type="datetimeFigureOut">
               <a:rPr lang="fr-FR" smtClean="0"/>
-              <a:t>16/11/2018</a:t>
+              <a:t>19/11/2018</a:t>
             </a:fld>
             <a:endParaRPr lang="fr-FR"/>
           </a:p>
@@ -552,7 +556,7 @@
           <a:p>
             <a:fld id="{E52CC339-9364-4518-9F37-F173FBC9C73E}" type="datetimeFigureOut">
               <a:rPr lang="fr-FR" smtClean="0"/>
-              <a:t>16/11/2018</a:t>
+              <a:t>19/11/2018</a:t>
             </a:fld>
             <a:endParaRPr lang="fr-FR"/>
           </a:p>
@@ -808,7 +812,7 @@
           <a:p>
             <a:fld id="{E52CC339-9364-4518-9F37-F173FBC9C73E}" type="datetimeFigureOut">
               <a:rPr lang="fr-FR" smtClean="0"/>
-              <a:t>16/11/2018</a:t>
+              <a:t>19/11/2018</a:t>
             </a:fld>
             <a:endParaRPr lang="fr-FR"/>
           </a:p>
@@ -982,7 +986,7 @@
           <a:p>
             <a:fld id="{E52CC339-9364-4518-9F37-F173FBC9C73E}" type="datetimeFigureOut">
               <a:rPr lang="fr-FR" smtClean="0"/>
-              <a:t>16/11/2018</a:t>
+              <a:t>19/11/2018</a:t>
             </a:fld>
             <a:endParaRPr lang="fr-FR"/>
           </a:p>
@@ -1325,7 +1329,7 @@
           <a:p>
             <a:fld id="{E52CC339-9364-4518-9F37-F173FBC9C73E}" type="datetimeFigureOut">
               <a:rPr lang="fr-FR" smtClean="0"/>
-              <a:t>16/11/2018</a:t>
+              <a:t>19/11/2018</a:t>
             </a:fld>
             <a:endParaRPr lang="fr-FR"/>
           </a:p>
@@ -1600,7 +1604,7 @@
           <a:p>
             <a:fld id="{E52CC339-9364-4518-9F37-F173FBC9C73E}" type="datetimeFigureOut">
               <a:rPr lang="fr-FR" smtClean="0"/>
-              <a:t>16/11/2018</a:t>
+              <a:t>19/11/2018</a:t>
             </a:fld>
             <a:endParaRPr lang="fr-FR"/>
           </a:p>
@@ -1979,7 +1983,7 @@
           <a:p>
             <a:fld id="{E52CC339-9364-4518-9F37-F173FBC9C73E}" type="datetimeFigureOut">
               <a:rPr lang="fr-FR" smtClean="0"/>
-              <a:t>16/11/2018</a:t>
+              <a:t>19/11/2018</a:t>
             </a:fld>
             <a:endParaRPr lang="fr-FR"/>
           </a:p>
@@ -2097,7 +2101,7 @@
           <a:p>
             <a:fld id="{E52CC339-9364-4518-9F37-F173FBC9C73E}" type="datetimeFigureOut">
               <a:rPr lang="fr-FR" smtClean="0"/>
-              <a:t>16/11/2018</a:t>
+              <a:t>19/11/2018</a:t>
             </a:fld>
             <a:endParaRPr lang="fr-FR"/>
           </a:p>
@@ -2268,7 +2272,7 @@
           <a:p>
             <a:fld id="{E52CC339-9364-4518-9F37-F173FBC9C73E}" type="datetimeFigureOut">
               <a:rPr lang="fr-FR" smtClean="0"/>
-              <a:t>16/11/2018</a:t>
+              <a:t>19/11/2018</a:t>
             </a:fld>
             <a:endParaRPr lang="fr-FR"/>
           </a:p>
@@ -2622,7 +2626,7 @@
           <a:p>
             <a:fld id="{E52CC339-9364-4518-9F37-F173FBC9C73E}" type="datetimeFigureOut">
               <a:rPr lang="fr-FR" smtClean="0"/>
-              <a:t>16/11/2018</a:t>
+              <a:t>19/11/2018</a:t>
             </a:fld>
             <a:endParaRPr lang="fr-FR"/>
           </a:p>
@@ -3004,7 +3008,7 @@
           <a:p>
             <a:fld id="{E52CC339-9364-4518-9F37-F173FBC9C73E}" type="datetimeFigureOut">
               <a:rPr lang="fr-FR" smtClean="0"/>
-              <a:t>16/11/2018</a:t>
+              <a:t>19/11/2018</a:t>
             </a:fld>
             <a:endParaRPr lang="fr-FR"/>
           </a:p>
@@ -3291,7 +3295,7 @@
           <a:p>
             <a:fld id="{E52CC339-9364-4518-9F37-F173FBC9C73E}" type="datetimeFigureOut">
               <a:rPr lang="fr-FR" smtClean="0"/>
-              <a:t>16/11/2018</a:t>
+              <a:t>19/11/2018</a:t>
             </a:fld>
             <a:endParaRPr lang="fr-FR"/>
           </a:p>
@@ -3859,102 +3863,6 @@
 <file path=ppt/slides/slide10.xml><?xml version="1.0" encoding="utf-8"?>
 <p:sld xmlns:a="http://schemas.openxmlformats.org/drawingml/2006/main" xmlns:r="http://schemas.openxmlformats.org/officeDocument/2006/relationships" xmlns:p="http://schemas.openxmlformats.org/presentationml/2006/main">
   <p:cSld>
-    <p:spTree>
-      <p:nvGrpSpPr>
-        <p:cNvPr id="1" name=""/>
-        <p:cNvGrpSpPr/>
-        <p:nvPr/>
-      </p:nvGrpSpPr>
-      <p:grpSpPr>
-        <a:xfrm>
-          <a:off x="0" y="0"/>
-          <a:ext cx="0" cy="0"/>
-          <a:chOff x="0" y="0"/>
-          <a:chExt cx="0" cy="0"/>
-        </a:xfrm>
-      </p:grpSpPr>
-      <p:sp>
-        <p:nvSpPr>
-          <p:cNvPr id="2" name="Titre 1">
-            <a:extLst>
-              <a:ext uri="{FF2B5EF4-FFF2-40B4-BE49-F238E27FC236}">
-                <a16:creationId xmlns:a16="http://schemas.microsoft.com/office/drawing/2014/main" id="{FAD7B48F-C1FF-49E2-9FAF-0C73A50AA384}"/>
-              </a:ext>
-            </a:extLst>
-          </p:cNvPr>
-          <p:cNvSpPr>
-            <a:spLocks noGrp="1"/>
-          </p:cNvSpPr>
-          <p:nvPr>
-            <p:ph type="title"/>
-          </p:nvPr>
-        </p:nvSpPr>
-        <p:spPr>
-          <a:xfrm>
-            <a:off x="1066800" y="397163"/>
-            <a:ext cx="10058400" cy="943033"/>
-          </a:xfrm>
-        </p:spPr>
-        <p:txBody>
-          <a:bodyPr>
-            <a:normAutofit/>
-          </a:bodyPr>
-          <a:lstStyle/>
-          <a:p>
-            <a:pPr algn="ctr"/>
-            <a:r>
-              <a:rPr lang="fr-FR" sz="6000" b="1" dirty="0">
-                <a:solidFill>
-                  <a:srgbClr val="FF0000"/>
-                </a:solidFill>
-                <a:latin typeface="Calisto MT" panose="02040603050505030304" pitchFamily="18" charset="0"/>
-              </a:rPr>
-              <a:t>Module 4</a:t>
-            </a:r>
-          </a:p>
-        </p:txBody>
-      </p:sp>
-      <p:sp>
-        <p:nvSpPr>
-          <p:cNvPr id="4" name="Espace réservé du contenu 3">
-            <a:extLst>
-              <a:ext uri="{FF2B5EF4-FFF2-40B4-BE49-F238E27FC236}">
-                <a16:creationId xmlns:a16="http://schemas.microsoft.com/office/drawing/2014/main" id="{C35538CE-8D2A-4E31-821C-4BBBD4DE1D4B}"/>
-              </a:ext>
-            </a:extLst>
-          </p:cNvPr>
-          <p:cNvSpPr>
-            <a:spLocks noGrp="1"/>
-          </p:cNvSpPr>
-          <p:nvPr>
-            <p:ph idx="1"/>
-          </p:nvPr>
-        </p:nvSpPr>
-        <p:spPr/>
-        <p:txBody>
-          <a:bodyPr/>
-          <a:lstStyle/>
-          <a:p>
-            <a:endParaRPr lang="fr-FR"/>
-          </a:p>
-        </p:txBody>
-      </p:sp>
-    </p:spTree>
-    <p:extLst>
-      <p:ext uri="{BB962C8B-B14F-4D97-AF65-F5344CB8AC3E}">
-        <p14:creationId xmlns:p14="http://schemas.microsoft.com/office/powerpoint/2010/main" val="3427677985"/>
-      </p:ext>
-    </p:extLst>
-  </p:cSld>
-  <p:clrMapOvr>
-    <a:masterClrMapping/>
-  </p:clrMapOvr>
-</p:sld>
-</file>
-
-<file path=ppt/slides/slide11.xml><?xml version="1.0" encoding="utf-8"?>
-<p:sld xmlns:a="http://schemas.openxmlformats.org/drawingml/2006/main" xmlns:r="http://schemas.openxmlformats.org/officeDocument/2006/relationships" xmlns:p="http://schemas.openxmlformats.org/presentationml/2006/main">
-  <p:cSld>
     <p:bg>
       <p:bgPr>
         <a:solidFill>
@@ -4233,7 +4141,7 @@
 </p:sld>
 </file>
 
-<file path=ppt/slides/slide12.xml><?xml version="1.0" encoding="utf-8"?>
+<file path=ppt/slides/slide11.xml><?xml version="1.0" encoding="utf-8"?>
 <p:sld xmlns:a="http://schemas.openxmlformats.org/drawingml/2006/main" xmlns:r="http://schemas.openxmlformats.org/officeDocument/2006/relationships" xmlns:p="http://schemas.openxmlformats.org/presentationml/2006/main">
   <p:cSld>
     <p:bg>
@@ -5283,6 +5191,47 @@
           <a:chExt cx="0" cy="0"/>
         </a:xfrm>
       </p:grpSpPr>
+      <p:sp>
+        <p:nvSpPr>
+          <p:cNvPr id="6" name="Titre 5">
+            <a:extLst>
+              <a:ext uri="{FF2B5EF4-FFF2-40B4-BE49-F238E27FC236}">
+                <a16:creationId xmlns:a16="http://schemas.microsoft.com/office/drawing/2014/main" id="{ECA916C9-8D71-4A22-87EA-B5750577E4E8}"/>
+              </a:ext>
+            </a:extLst>
+          </p:cNvPr>
+          <p:cNvSpPr>
+            <a:spLocks noGrp="1"/>
+          </p:cNvSpPr>
+          <p:nvPr>
+            <p:ph type="title"/>
+          </p:nvPr>
+        </p:nvSpPr>
+        <p:spPr>
+          <a:xfrm>
+            <a:off x="1097280" y="286604"/>
+            <a:ext cx="10058400" cy="1302052"/>
+          </a:xfrm>
+        </p:spPr>
+        <p:txBody>
+          <a:bodyPr>
+            <a:normAutofit/>
+          </a:bodyPr>
+          <a:lstStyle/>
+          <a:p>
+            <a:pPr algn="ctr"/>
+            <a:r>
+              <a:rPr lang="fr-FR" sz="6000" b="1" dirty="0">
+                <a:solidFill>
+                  <a:srgbClr val="FF0000"/>
+                </a:solidFill>
+                <a:latin typeface="Calisto MT" panose="02040603050505030304" pitchFamily="18" charset="0"/>
+              </a:rPr>
+              <a:t>Schématisation du projet</a:t>
+            </a:r>
+          </a:p>
+        </p:txBody>
+      </p:sp>
       <p:pic>
         <p:nvPicPr>
           <p:cNvPr id="4" name="Espace réservé du contenu 3">
@@ -5307,14 +5256,65 @@
         </p:blipFill>
         <p:spPr>
           <a:xfrm>
-            <a:off x="3079438" y="369455"/>
-            <a:ext cx="6033123" cy="5194733"/>
+            <a:off x="3790182" y="1846263"/>
+            <a:ext cx="4671962" cy="4022725"/>
+          </a:xfrm>
+        </p:spPr>
+      </p:pic>
+      <p:sp>
+        <p:nvSpPr>
+          <p:cNvPr id="7" name="Rectangle 6">
+            <a:extLst>
+              <a:ext uri="{FF2B5EF4-FFF2-40B4-BE49-F238E27FC236}">
+                <a16:creationId xmlns:a16="http://schemas.microsoft.com/office/drawing/2014/main" id="{2ABBAEC5-39F0-4E87-A7E8-8B80284A5BF3}"/>
+              </a:ext>
+            </a:extLst>
+          </p:cNvPr>
+          <p:cNvSpPr/>
+          <p:nvPr/>
+        </p:nvSpPr>
+        <p:spPr>
+          <a:xfrm>
+            <a:off x="3790182" y="1846263"/>
+            <a:ext cx="477018" cy="204210"/>
           </a:xfrm>
           <a:prstGeom prst="rect">
             <a:avLst/>
           </a:prstGeom>
-        </p:spPr>
-      </p:pic>
+          <a:solidFill>
+            <a:schemeClr val="bg1"/>
+          </a:solidFill>
+          <a:ln>
+            <a:solidFill>
+              <a:schemeClr val="bg1"/>
+            </a:solidFill>
+          </a:ln>
+        </p:spPr>
+        <p:style>
+          <a:lnRef idx="2">
+            <a:schemeClr val="accent1">
+              <a:shade val="50000"/>
+            </a:schemeClr>
+          </a:lnRef>
+          <a:fillRef idx="1">
+            <a:schemeClr val="accent1"/>
+          </a:fillRef>
+          <a:effectRef idx="0">
+            <a:schemeClr val="accent1"/>
+          </a:effectRef>
+          <a:fontRef idx="minor">
+            <a:schemeClr val="lt1"/>
+          </a:fontRef>
+        </p:style>
+        <p:txBody>
+          <a:bodyPr rtlCol="0" anchor="ctr"/>
+          <a:lstStyle/>
+          <a:p>
+            <a:pPr algn="ctr"/>
+            <a:endParaRPr lang="fr-FR"/>
+          </a:p>
+        </p:txBody>
+      </p:sp>
     </p:spTree>
     <p:extLst>
       <p:ext uri="{BB962C8B-B14F-4D97-AF65-F5344CB8AC3E}">
@@ -5621,7 +5621,7 @@
           <a:p>
             <a:pPr algn="ctr"/>
             <a:r>
-              <a:rPr lang="fr-FR" sz="6000" b="1" dirty="0">
+              <a:rPr lang="fr-FR" sz="6000" b="1">
                 <a:solidFill>
                   <a:srgbClr val="FF0000"/>
                 </a:solidFill>
@@ -5690,7 +5690,7 @@
         </p:blipFill>
         <p:spPr>
           <a:xfrm>
-            <a:off x="9144001" y="1940313"/>
+            <a:off x="7767783" y="1940313"/>
             <a:ext cx="1434790" cy="3740265"/>
           </a:xfrm>
           <a:prstGeom prst="rect">
@@ -5698,6 +5698,342 @@
           </a:prstGeom>
         </p:spPr>
       </p:pic>
+      <p:pic>
+        <p:nvPicPr>
+          <p:cNvPr id="3" name="Image 2">
+            <a:extLst>
+              <a:ext uri="{FF2B5EF4-FFF2-40B4-BE49-F238E27FC236}">
+                <a16:creationId xmlns:a16="http://schemas.microsoft.com/office/drawing/2014/main" id="{D749F8D4-A508-48DD-A1F9-A5C88B34F626}"/>
+              </a:ext>
+            </a:extLst>
+          </p:cNvPr>
+          <p:cNvPicPr>
+            <a:picLocks noChangeAspect="1"/>
+          </p:cNvPicPr>
+          <p:nvPr/>
+        </p:nvPicPr>
+        <p:blipFill>
+          <a:blip r:embed="rId4"/>
+          <a:stretch>
+            <a:fillRect/>
+          </a:stretch>
+        </p:blipFill>
+        <p:spPr>
+          <a:xfrm>
+            <a:off x="9961291" y="3022027"/>
+            <a:ext cx="1434790" cy="1409618"/>
+          </a:xfrm>
+          <a:prstGeom prst="rect">
+            <a:avLst/>
+          </a:prstGeom>
+        </p:spPr>
+      </p:pic>
+      <p:sp>
+        <p:nvSpPr>
+          <p:cNvPr id="6" name="ZoneTexte 5">
+            <a:extLst>
+              <a:ext uri="{FF2B5EF4-FFF2-40B4-BE49-F238E27FC236}">
+                <a16:creationId xmlns:a16="http://schemas.microsoft.com/office/drawing/2014/main" id="{E6342D69-95D6-4CD5-ABA3-A460F5A077CD}"/>
+              </a:ext>
+            </a:extLst>
+          </p:cNvPr>
+          <p:cNvSpPr txBox="1"/>
+          <p:nvPr/>
+        </p:nvSpPr>
+        <p:spPr>
+          <a:xfrm>
+            <a:off x="6472860" y="2419815"/>
+            <a:ext cx="1072409" cy="369332"/>
+          </a:xfrm>
+          <a:prstGeom prst="rect">
+            <a:avLst/>
+          </a:prstGeom>
+          <a:noFill/>
+        </p:spPr>
+        <p:txBody>
+          <a:bodyPr wrap="none" rtlCol="0">
+            <a:spAutoFit/>
+          </a:bodyPr>
+          <a:lstStyle/>
+          <a:p>
+            <a:r>
+              <a:rPr lang="fr-FR" dirty="0"/>
+              <a:t>Secondes</a:t>
+            </a:r>
+          </a:p>
+        </p:txBody>
+      </p:sp>
+      <p:cxnSp>
+        <p:nvCxnSpPr>
+          <p:cNvPr id="8" name="Connecteur droit avec flèche 7">
+            <a:extLst>
+              <a:ext uri="{FF2B5EF4-FFF2-40B4-BE49-F238E27FC236}">
+                <a16:creationId xmlns:a16="http://schemas.microsoft.com/office/drawing/2014/main" id="{F7B46293-0DF5-4C04-ACF8-7A186C41C454}"/>
+              </a:ext>
+            </a:extLst>
+          </p:cNvPr>
+          <p:cNvCxnSpPr>
+            <a:stCxn id="6" idx="3"/>
+          </p:cNvCxnSpPr>
+          <p:nvPr/>
+        </p:nvCxnSpPr>
+        <p:spPr>
+          <a:xfrm>
+            <a:off x="7545269" y="2604481"/>
+            <a:ext cx="222514" cy="94114"/>
+          </a:xfrm>
+          <a:prstGeom prst="straightConnector1">
+            <a:avLst/>
+          </a:prstGeom>
+          <a:ln w="38100">
+            <a:tailEnd type="triangle"/>
+          </a:ln>
+        </p:spPr>
+        <p:style>
+          <a:lnRef idx="1">
+            <a:schemeClr val="accent1"/>
+          </a:lnRef>
+          <a:fillRef idx="0">
+            <a:schemeClr val="accent1"/>
+          </a:fillRef>
+          <a:effectRef idx="0">
+            <a:schemeClr val="accent1"/>
+          </a:effectRef>
+          <a:fontRef idx="minor">
+            <a:schemeClr val="tx1"/>
+          </a:fontRef>
+        </p:style>
+      </p:cxnSp>
+      <p:sp>
+        <p:nvSpPr>
+          <p:cNvPr id="21" name="ZoneTexte 20">
+            <a:extLst>
+              <a:ext uri="{FF2B5EF4-FFF2-40B4-BE49-F238E27FC236}">
+                <a16:creationId xmlns:a16="http://schemas.microsoft.com/office/drawing/2014/main" id="{79C92046-CB83-4F1B-BA65-05504D1556DD}"/>
+              </a:ext>
+            </a:extLst>
+          </p:cNvPr>
+          <p:cNvSpPr txBox="1"/>
+          <p:nvPr/>
+        </p:nvSpPr>
+        <p:spPr>
+          <a:xfrm>
+            <a:off x="8666368" y="2604481"/>
+            <a:ext cx="1267911" cy="369332"/>
+          </a:xfrm>
+          <a:prstGeom prst="rect">
+            <a:avLst/>
+          </a:prstGeom>
+          <a:noFill/>
+        </p:spPr>
+        <p:txBody>
+          <a:bodyPr wrap="none" rtlCol="0">
+            <a:spAutoFit/>
+          </a:bodyPr>
+          <a:lstStyle/>
+          <a:p>
+            <a:r>
+              <a:rPr lang="fr-FR" dirty="0"/>
+              <a:t>Battements</a:t>
+            </a:r>
+          </a:p>
+        </p:txBody>
+      </p:sp>
+      <p:cxnSp>
+        <p:nvCxnSpPr>
+          <p:cNvPr id="23" name="Connecteur droit avec flèche 22">
+            <a:extLst>
+              <a:ext uri="{FF2B5EF4-FFF2-40B4-BE49-F238E27FC236}">
+                <a16:creationId xmlns:a16="http://schemas.microsoft.com/office/drawing/2014/main" id="{8A52F0F0-35BF-458A-8EF1-9D46C820A6BE}"/>
+              </a:ext>
+            </a:extLst>
+          </p:cNvPr>
+          <p:cNvCxnSpPr>
+            <a:cxnSpLocks/>
+            <a:stCxn id="21" idx="1"/>
+          </p:cNvCxnSpPr>
+          <p:nvPr/>
+        </p:nvCxnSpPr>
+        <p:spPr>
+          <a:xfrm flipH="1">
+            <a:off x="8377384" y="2789147"/>
+            <a:ext cx="288984" cy="151987"/>
+          </a:xfrm>
+          <a:prstGeom prst="straightConnector1">
+            <a:avLst/>
+          </a:prstGeom>
+          <a:ln w="38100">
+            <a:tailEnd type="triangle"/>
+          </a:ln>
+        </p:spPr>
+        <p:style>
+          <a:lnRef idx="1">
+            <a:schemeClr val="accent1"/>
+          </a:lnRef>
+          <a:fillRef idx="0">
+            <a:schemeClr val="accent1"/>
+          </a:fillRef>
+          <a:effectRef idx="0">
+            <a:schemeClr val="accent1"/>
+          </a:effectRef>
+          <a:fontRef idx="minor">
+            <a:schemeClr val="tx1"/>
+          </a:fontRef>
+        </p:style>
+      </p:cxnSp>
+      <p:sp>
+        <p:nvSpPr>
+          <p:cNvPr id="25" name="ZoneTexte 24">
+            <a:extLst>
+              <a:ext uri="{FF2B5EF4-FFF2-40B4-BE49-F238E27FC236}">
+                <a16:creationId xmlns:a16="http://schemas.microsoft.com/office/drawing/2014/main" id="{85358057-2851-49E8-A74E-10362B4C5D9F}"/>
+              </a:ext>
+            </a:extLst>
+          </p:cNvPr>
+          <p:cNvSpPr txBox="1"/>
+          <p:nvPr/>
+        </p:nvSpPr>
+        <p:spPr>
+          <a:xfrm>
+            <a:off x="8666368" y="4791678"/>
+            <a:ext cx="1577005" cy="369332"/>
+          </a:xfrm>
+          <a:prstGeom prst="rect">
+            <a:avLst/>
+          </a:prstGeom>
+          <a:noFill/>
+        </p:spPr>
+        <p:txBody>
+          <a:bodyPr wrap="square" rtlCol="0">
+            <a:spAutoFit/>
+          </a:bodyPr>
+          <a:lstStyle/>
+          <a:p>
+            <a:r>
+              <a:rPr lang="fr-FR" dirty="0"/>
+              <a:t>Millisecondes  </a:t>
+            </a:r>
+          </a:p>
+        </p:txBody>
+      </p:sp>
+      <p:cxnSp>
+        <p:nvCxnSpPr>
+          <p:cNvPr id="27" name="Connecteur droit avec flèche 26">
+            <a:extLst>
+              <a:ext uri="{FF2B5EF4-FFF2-40B4-BE49-F238E27FC236}">
+                <a16:creationId xmlns:a16="http://schemas.microsoft.com/office/drawing/2014/main" id="{8F39A235-5E22-4E03-A8AA-78E446E4BA92}"/>
+              </a:ext>
+            </a:extLst>
+          </p:cNvPr>
+          <p:cNvCxnSpPr>
+            <a:cxnSpLocks/>
+          </p:cNvCxnSpPr>
+          <p:nvPr/>
+        </p:nvCxnSpPr>
+        <p:spPr>
+          <a:xfrm flipV="1">
+            <a:off x="10067636" y="4431646"/>
+            <a:ext cx="175737" cy="544698"/>
+          </a:xfrm>
+          <a:prstGeom prst="straightConnector1">
+            <a:avLst/>
+          </a:prstGeom>
+          <a:ln w="38100">
+            <a:tailEnd type="triangle"/>
+          </a:ln>
+        </p:spPr>
+        <p:style>
+          <a:lnRef idx="1">
+            <a:schemeClr val="accent1"/>
+          </a:lnRef>
+          <a:fillRef idx="0">
+            <a:schemeClr val="accent1"/>
+          </a:fillRef>
+          <a:effectRef idx="0">
+            <a:schemeClr val="accent1"/>
+          </a:effectRef>
+          <a:fontRef idx="minor">
+            <a:schemeClr val="tx1"/>
+          </a:fontRef>
+        </p:style>
+      </p:cxnSp>
+      <p:sp>
+        <p:nvSpPr>
+          <p:cNvPr id="33" name="ZoneTexte 32">
+            <a:extLst>
+              <a:ext uri="{FF2B5EF4-FFF2-40B4-BE49-F238E27FC236}">
+                <a16:creationId xmlns:a16="http://schemas.microsoft.com/office/drawing/2014/main" id="{91383363-B0C2-4569-B790-6D08E03C03E0}"/>
+              </a:ext>
+            </a:extLst>
+          </p:cNvPr>
+          <p:cNvSpPr txBox="1"/>
+          <p:nvPr/>
+        </p:nvSpPr>
+        <p:spPr>
+          <a:xfrm>
+            <a:off x="10924089" y="4809916"/>
+            <a:ext cx="1267911" cy="369332"/>
+          </a:xfrm>
+          <a:prstGeom prst="rect">
+            <a:avLst/>
+          </a:prstGeom>
+          <a:noFill/>
+        </p:spPr>
+        <p:txBody>
+          <a:bodyPr wrap="square" rtlCol="0">
+            <a:spAutoFit/>
+          </a:bodyPr>
+          <a:lstStyle/>
+          <a:p>
+            <a:r>
+              <a:rPr lang="fr-FR" dirty="0"/>
+              <a:t>Battements</a:t>
+            </a:r>
+          </a:p>
+        </p:txBody>
+      </p:sp>
+      <p:cxnSp>
+        <p:nvCxnSpPr>
+          <p:cNvPr id="34" name="Connecteur droit avec flèche 33">
+            <a:extLst>
+              <a:ext uri="{FF2B5EF4-FFF2-40B4-BE49-F238E27FC236}">
+                <a16:creationId xmlns:a16="http://schemas.microsoft.com/office/drawing/2014/main" id="{655CE96D-3DA4-4756-BFD6-CF35D92A0061}"/>
+              </a:ext>
+            </a:extLst>
+          </p:cNvPr>
+          <p:cNvCxnSpPr>
+            <a:cxnSpLocks/>
+            <a:stCxn id="33" idx="1"/>
+          </p:cNvCxnSpPr>
+          <p:nvPr/>
+        </p:nvCxnSpPr>
+        <p:spPr>
+          <a:xfrm flipH="1" flipV="1">
+            <a:off x="10815783" y="4426996"/>
+            <a:ext cx="108306" cy="567586"/>
+          </a:xfrm>
+          <a:prstGeom prst="straightConnector1">
+            <a:avLst/>
+          </a:prstGeom>
+          <a:ln w="38100">
+            <a:tailEnd type="triangle"/>
+          </a:ln>
+        </p:spPr>
+        <p:style>
+          <a:lnRef idx="1">
+            <a:schemeClr val="accent1"/>
+          </a:lnRef>
+          <a:fillRef idx="0">
+            <a:schemeClr val="accent1"/>
+          </a:fillRef>
+          <a:effectRef idx="0">
+            <a:schemeClr val="accent1"/>
+          </a:effectRef>
+          <a:fontRef idx="minor">
+            <a:schemeClr val="tx1"/>
+          </a:fontRef>
+        </p:style>
+      </p:cxnSp>
     </p:spTree>
     <p:extLst>
       <p:ext uri="{BB962C8B-B14F-4D97-AF65-F5344CB8AC3E}">
